--- a/종가, 리턴, 볼 그리기.pptx
+++ b/종가, 리턴, 볼 그리기.pptx
@@ -3231,14 +3231,6 @@
               </a:rPr>
               <a:t>Return, </a:t>
             </a:r>
-            <a:r>
-              <a:rPr lang="en-US" sz="6700" dirty="0" smtClean="0">
-                <a:latin typeface="Arial Black" charset="0"/>
-                <a:ea typeface="Arial Black" charset="0"/>
-                <a:cs typeface="Arial Black" charset="0"/>
-              </a:rPr>
-              <a:t/>
-            </a:r>
             <a:br>
               <a:rPr lang="en-US" sz="6700" dirty="0" smtClean="0">
                 <a:latin typeface="Arial Black" charset="0"/>
@@ -4914,10 +4906,11 @@
           </a:p>
           <a:p>
             <a:r>
-              <a:rPr lang="en-US" sz="2000" smtClean="0">
+              <a:rPr lang="en-US" sz="2000" dirty="0" smtClean="0">
                 <a:latin typeface="Arial Black" charset="0"/>
                 <a:ea typeface="Arial Black" charset="0"/>
                 <a:cs typeface="Arial Black" charset="0"/>
+                <a:hlinkClick r:id="rId4"/>
               </a:rPr>
               <a:t>Youtube</a:t>
             </a:r>
@@ -4940,7 +4933,7 @@
                 <a:latin typeface="Arial Black" charset="0"/>
                 <a:ea typeface="Arial Black" charset="0"/>
                 <a:cs typeface="Arial Black" charset="0"/>
-                <a:hlinkClick r:id="rId4"/>
+                <a:hlinkClick r:id="rId5"/>
               </a:rPr>
               <a:t>Code</a:t>
             </a:r>
@@ -4956,7 +4949,7 @@
           <p:nvPr/>
         </p:nvPicPr>
         <p:blipFill>
-          <a:blip r:embed="rId5">
+          <a:blip r:embed="rId6">
             <a:extLst>
               <a:ext uri="{28A0092B-C50C-407E-A947-70E740481C1C}">
                 <a14:useLocalDpi xmlns:a14="http://schemas.microsoft.com/office/drawing/2010/main" val="0"/>
